--- a/FEP Film bonding issues.pptx
+++ b/FEP Film bonding issues.pptx
@@ -105,7 +105,41 @@
       </a:defRPr>
     </a:lvl9pPr>
   </p:defaultTextStyle>
+  <p:extLst>
+    <p:ext uri="{EFAFB233-063F-42B5-8137-9DF3F51BA10A}">
+      <p15:sldGuideLst xmlns:p15="http://schemas.microsoft.com/office/powerpoint/2012/main"/>
+    </p:ext>
+  </p:extLst>
 </p:presentation>
+</file>
+
+<file path=ppt/changesInfos/changesInfo1.xml><?xml version="1.0" encoding="utf-8"?>
+<pc:chgInfo xmlns:a="http://schemas.openxmlformats.org/drawingml/2006/main" xmlns:r="http://schemas.openxmlformats.org/officeDocument/2006/relationships" xmlns:ac="http://schemas.microsoft.com/office/drawing/2013/main/command" xmlns:pc="http://schemas.microsoft.com/office/powerpoint/2013/main/command">
+  <pc:docChgLst>
+    <pc:chgData name="md.anderson03@gmail.com" userId="9775220ff73936ab" providerId="LiveId" clId="{1C91A852-7493-43D3-9EA6-05EAEB8C85F9}"/>
+    <pc:docChg chg="modSld">
+      <pc:chgData name="md.anderson03@gmail.com" userId="9775220ff73936ab" providerId="LiveId" clId="{1C91A852-7493-43D3-9EA6-05EAEB8C85F9}" dt="2022-07-19T14:14:26.390" v="0" actId="1076"/>
+      <pc:docMkLst>
+        <pc:docMk/>
+      </pc:docMkLst>
+      <pc:sldChg chg="modSp mod">
+        <pc:chgData name="md.anderson03@gmail.com" userId="9775220ff73936ab" providerId="LiveId" clId="{1C91A852-7493-43D3-9EA6-05EAEB8C85F9}" dt="2022-07-19T14:14:26.390" v="0" actId="1076"/>
+        <pc:sldMkLst>
+          <pc:docMk/>
+          <pc:sldMk cId="4110496774" sldId="257"/>
+        </pc:sldMkLst>
+        <pc:graphicFrameChg chg="mod">
+          <ac:chgData name="md.anderson03@gmail.com" userId="9775220ff73936ab" providerId="LiveId" clId="{1C91A852-7493-43D3-9EA6-05EAEB8C85F9}" dt="2022-07-19T14:14:26.390" v="0" actId="1076"/>
+          <ac:graphicFrameMkLst>
+            <pc:docMk/>
+            <pc:sldMk cId="4110496774" sldId="257"/>
+            <ac:graphicFrameMk id="4" creationId="{2544C7CC-6103-4A56-82D4-D4D34527E3C8}"/>
+          </ac:graphicFrameMkLst>
+        </pc:graphicFrameChg>
+      </pc:sldChg>
+    </pc:docChg>
+  </pc:docChgLst>
+</pc:chgInfo>
 </file>
 
 <file path=ppt/slideLayouts/slideLayout1.xml><?xml version="1.0" encoding="utf-8"?>
@@ -255,7 +289,7 @@
           <a:p>
             <a:fld id="{26416F4C-50C3-43AE-88C7-020E3CC3F10E}" type="datetimeFigureOut">
               <a:rPr lang="en-US" smtClean="0"/>
-              <a:t>7/18/2022</a:t>
+              <a:t>7/19/2022</a:t>
             </a:fld>
             <a:endParaRPr lang="en-US"/>
           </a:p>
@@ -453,7 +487,7 @@
           <a:p>
             <a:fld id="{26416F4C-50C3-43AE-88C7-020E3CC3F10E}" type="datetimeFigureOut">
               <a:rPr lang="en-US" smtClean="0"/>
-              <a:t>7/18/2022</a:t>
+              <a:t>7/19/2022</a:t>
             </a:fld>
             <a:endParaRPr lang="en-US"/>
           </a:p>
@@ -661,7 +695,7 @@
           <a:p>
             <a:fld id="{26416F4C-50C3-43AE-88C7-020E3CC3F10E}" type="datetimeFigureOut">
               <a:rPr lang="en-US" smtClean="0"/>
-              <a:t>7/18/2022</a:t>
+              <a:t>7/19/2022</a:t>
             </a:fld>
             <a:endParaRPr lang="en-US"/>
           </a:p>
@@ -859,7 +893,7 @@
           <a:p>
             <a:fld id="{26416F4C-50C3-43AE-88C7-020E3CC3F10E}" type="datetimeFigureOut">
               <a:rPr lang="en-US" smtClean="0"/>
-              <a:t>7/18/2022</a:t>
+              <a:t>7/19/2022</a:t>
             </a:fld>
             <a:endParaRPr lang="en-US"/>
           </a:p>
@@ -1134,7 +1168,7 @@
           <a:p>
             <a:fld id="{26416F4C-50C3-43AE-88C7-020E3CC3F10E}" type="datetimeFigureOut">
               <a:rPr lang="en-US" smtClean="0"/>
-              <a:t>7/18/2022</a:t>
+              <a:t>7/19/2022</a:t>
             </a:fld>
             <a:endParaRPr lang="en-US"/>
           </a:p>
@@ -1399,7 +1433,7 @@
           <a:p>
             <a:fld id="{26416F4C-50C3-43AE-88C7-020E3CC3F10E}" type="datetimeFigureOut">
               <a:rPr lang="en-US" smtClean="0"/>
-              <a:t>7/18/2022</a:t>
+              <a:t>7/19/2022</a:t>
             </a:fld>
             <a:endParaRPr lang="en-US"/>
           </a:p>
@@ -1811,7 +1845,7 @@
           <a:p>
             <a:fld id="{26416F4C-50C3-43AE-88C7-020E3CC3F10E}" type="datetimeFigureOut">
               <a:rPr lang="en-US" smtClean="0"/>
-              <a:t>7/18/2022</a:t>
+              <a:t>7/19/2022</a:t>
             </a:fld>
             <a:endParaRPr lang="en-US"/>
           </a:p>
@@ -1952,7 +1986,7 @@
           <a:p>
             <a:fld id="{26416F4C-50C3-43AE-88C7-020E3CC3F10E}" type="datetimeFigureOut">
               <a:rPr lang="en-US" smtClean="0"/>
-              <a:t>7/18/2022</a:t>
+              <a:t>7/19/2022</a:t>
             </a:fld>
             <a:endParaRPr lang="en-US"/>
           </a:p>
@@ -2065,7 +2099,7 @@
           <a:p>
             <a:fld id="{26416F4C-50C3-43AE-88C7-020E3CC3F10E}" type="datetimeFigureOut">
               <a:rPr lang="en-US" smtClean="0"/>
-              <a:t>7/18/2022</a:t>
+              <a:t>7/19/2022</a:t>
             </a:fld>
             <a:endParaRPr lang="en-US"/>
           </a:p>
@@ -2376,7 +2410,7 @@
           <a:p>
             <a:fld id="{26416F4C-50C3-43AE-88C7-020E3CC3F10E}" type="datetimeFigureOut">
               <a:rPr lang="en-US" smtClean="0"/>
-              <a:t>7/18/2022</a:t>
+              <a:t>7/19/2022</a:t>
             </a:fld>
             <a:endParaRPr lang="en-US"/>
           </a:p>
@@ -2664,7 +2698,7 @@
           <a:p>
             <a:fld id="{26416F4C-50C3-43AE-88C7-020E3CC3F10E}" type="datetimeFigureOut">
               <a:rPr lang="en-US" smtClean="0"/>
-              <a:t>7/18/2022</a:t>
+              <a:t>7/19/2022</a:t>
             </a:fld>
             <a:endParaRPr lang="en-US"/>
           </a:p>
@@ -2905,7 +2939,7 @@
           <a:p>
             <a:fld id="{26416F4C-50C3-43AE-88C7-020E3CC3F10E}" type="datetimeFigureOut">
               <a:rPr lang="en-US" smtClean="0"/>
-              <a:t>7/18/2022</a:t>
+              <a:t>7/19/2022</a:t>
             </a:fld>
             <a:endParaRPr lang="en-US"/>
           </a:p>
@@ -3518,13 +3552,13 @@
           <p:nvPr>
             <p:extLst>
               <p:ext uri="{D42A27DB-BD31-4B8C-83A1-F6EECF244321}">
-                <p14:modId xmlns:p14="http://schemas.microsoft.com/office/powerpoint/2010/main" val="442886329"/>
+                <p14:modId xmlns:p14="http://schemas.microsoft.com/office/powerpoint/2010/main" val="3124151474"/>
               </p:ext>
             </p:extLst>
           </p:nvPr>
         </p:nvGraphicFramePr>
         <p:xfrm>
-          <a:off x="5753820" y="3154256"/>
+          <a:off x="5744942" y="2359474"/>
           <a:ext cx="6063538" cy="3283639"/>
         </p:xfrm>
         <a:graphic>
@@ -3540,7 +3574,13 @@
                   <p:embed/>
                   <p:pic>
                     <p:nvPicPr>
-                      <p:cNvPr id="0" name=""/>
+                      <p:cNvPr id="4" name="Object 3">
+                        <a:extLst>
+                          <a:ext uri="{FF2B5EF4-FFF2-40B4-BE49-F238E27FC236}">
+                            <a16:creationId xmlns:a16="http://schemas.microsoft.com/office/drawing/2014/main" id="{2544C7CC-6103-4A56-82D4-D4D34527E3C8}"/>
+                          </a:ext>
+                        </a:extLst>
+                      </p:cNvPr>
                       <p:cNvPicPr/>
                       <p:nvPr/>
                     </p:nvPicPr>
@@ -3552,7 +3592,7 @@
                     </p:blipFill>
                     <p:spPr>
                       <a:xfrm>
-                        <a:off x="5753820" y="3154256"/>
+                        <a:off x="5744942" y="2359474"/>
                         <a:ext cx="6063538" cy="3283639"/>
                       </a:xfrm>
                       <a:prstGeom prst="rect">
